--- a/lecture_01/Intro to JavaScript.pptx
+++ b/lecture_01/Intro to JavaScript.pptx
@@ -284,7 +284,7 @@
           <a:p>
             <a:fld id="{DD7909B4-0034-084A-82BA-DE59354427DE}" type="datetime1">
               <a:rPr lang="en-US" smtClean="0"/>
-              <a:t>12/31/19</a:t>
+              <a:t>1/1/20</a:t>
             </a:fld>
             <a:endParaRPr lang="en-US"/>
           </a:p>
@@ -450,7 +450,7 @@
           <a:p>
             <a:fld id="{9BAEE3B6-A6CF-1B42-910E-8E290E739F0F}" type="datetime1">
               <a:rPr lang="en-US" smtClean="0"/>
-              <a:t>12/31/19</a:t>
+              <a:t>1/1/20</a:t>
             </a:fld>
             <a:endParaRPr lang="en-US"/>
           </a:p>
@@ -19463,7 +19463,7 @@
               <a:buNone/>
             </a:pPr>
             <a:r>
-              <a:rPr lang="en-US" sz="2000" dirty="0">
+              <a:rPr lang="en-US" sz="2000">
                 <a:solidFill>
                   <a:srgbClr val="404040"/>
                 </a:solidFill>
@@ -19471,7 +19471,18 @@
                 <a:ea typeface="Verdana" panose="020B0604030504040204" pitchFamily="34" charset="0"/>
                 <a:cs typeface="Verdana" panose="020B0604030504040204" pitchFamily="34" charset="0"/>
               </a:rPr>
-              <a:t>To see the number of functions that you can perform on strings which are displayed on the next slide.</a:t>
+              <a:t>There are number </a:t>
+            </a:r>
+            <a:r>
+              <a:rPr lang="en-US" sz="2000" dirty="0">
+                <a:solidFill>
+                  <a:srgbClr val="404040"/>
+                </a:solidFill>
+                <a:latin typeface="Verdana" panose="020B0604030504040204" pitchFamily="34" charset="0"/>
+                <a:ea typeface="Verdana" panose="020B0604030504040204" pitchFamily="34" charset="0"/>
+                <a:cs typeface="Verdana" panose="020B0604030504040204" pitchFamily="34" charset="0"/>
+              </a:rPr>
+              <a:t>of functions that you can perform on strings which are displayed on the next slide.</a:t>
             </a:r>
           </a:p>
           <a:p>
